--- a/cmsc125/ostep/slides/01.Virtualization/19.Translation_Lookaside_Buffers.pptx
+++ b/cmsc125/ostep/slides/01.Virtualization/19.Translation_Lookaside_Buffers.pptx
@@ -257,7 +257,7 @@
           <a:p>
             <a:fld id="{050F0499-AE52-4672-879B-3107B2FC2A9F}" type="datetimeFigureOut">
               <a:rPr lang="ko-KR" altLang="en-US" smtClean="0"/>
-              <a:t>2021-07-21</a:t>
+              <a:t>2021-10-27</a:t>
             </a:fld>
             <a:endParaRPr lang="ko-KR" altLang="en-US"/>
           </a:p>
@@ -2373,34 +2373,26 @@
               <a:t>Hardware handle the TLB miss entirely on </a:t>
             </a:r>
             <a:r>
-              <a:rPr lang="en-US" altLang="ko-KR" dirty="0" err="1">
+              <a:rPr lang="en-US" altLang="ko-KR" dirty="0">
                 <a:solidFill>
                   <a:schemeClr val="accent6"/>
                 </a:solidFill>
               </a:rPr>
               <a:t>CISC</a:t>
-            </a:r>
-            <a:r>
-              <a:rPr lang="en-US" altLang="ko-KR" dirty="0">
-                <a:solidFill>
-                  <a:schemeClr val="accent6"/>
-                </a:solidFill>
-              </a:rPr>
-              <a:t>.</a:t>
             </a:r>
           </a:p>
           <a:p>
             <a:pPr lvl="1"/>
             <a:r>
               <a:rPr lang="en-US" altLang="ko-KR" dirty="0"/>
-              <a:t>The hardware has to know exactly where the page tables are located in memory.</a:t>
+              <a:t>The hardware has to know exactly where the page tables are located in memory</a:t>
             </a:r>
           </a:p>
           <a:p>
             <a:pPr lvl="1"/>
             <a:r>
               <a:rPr lang="en-US" altLang="ko-KR" dirty="0"/>
-              <a:t>The hardware would “walk” the page table, find the correct page-table entry and </a:t>
+              <a:t>The hardware would “walk” the page table, find the correct page table entry and </a:t>
             </a:r>
             <a:r>
               <a:rPr lang="en-US" altLang="ko-KR" dirty="0">
@@ -2436,22 +2428,14 @@
             </a:r>
             <a:r>
               <a:rPr lang="en-US" altLang="ko-KR" dirty="0"/>
-              <a:t> instruction.</a:t>
+              <a:t> instruction</a:t>
             </a:r>
           </a:p>
           <a:p>
             <a:pPr lvl="1"/>
             <a:r>
               <a:rPr lang="en-US" altLang="ko-KR" b="1" u="sng" dirty="0"/>
-              <a:t>hardware-managed </a:t>
-            </a:r>
-            <a:r>
-              <a:rPr lang="en-US" altLang="ko-KR" b="1" u="sng" dirty="0" err="1"/>
-              <a:t>TLB</a:t>
-            </a:r>
-            <a:r>
-              <a:rPr lang="en-US" altLang="ko-KR" b="1" u="sng" dirty="0"/>
-              <a:t>.</a:t>
+              <a:t>hardware-managed TLB</a:t>
             </a:r>
             <a:endParaRPr lang="ko-KR" altLang="en-US" b="1" u="sng" dirty="0"/>
           </a:p>
@@ -2542,22 +2526,14 @@
             </a:r>
             <a:r>
               <a:rPr lang="en-US" altLang="ko-KR" b="1" u="sng" dirty="0"/>
-              <a:t>software-managed </a:t>
-            </a:r>
-            <a:r>
-              <a:rPr lang="en-US" altLang="ko-KR" b="1" u="sng" dirty="0" err="1"/>
-              <a:t>TLB</a:t>
-            </a:r>
-            <a:r>
-              <a:rPr lang="en-US" altLang="ko-KR" b="1" u="sng" dirty="0"/>
-              <a:t>.</a:t>
+              <a:t>software-managed TLB</a:t>
             </a:r>
           </a:p>
           <a:p>
             <a:pPr lvl="1"/>
             <a:r>
               <a:rPr lang="en-US" altLang="ko-KR" dirty="0"/>
-              <a:t>On a TLB miss, the hardware raises exception( trap handler ).</a:t>
+              <a:t>On a TLB miss, the hardware raises exception( trap handler )</a:t>
             </a:r>
           </a:p>
           <a:p>
@@ -2576,23 +2552,7 @@
                   <a:schemeClr val="accent6"/>
                 </a:solidFill>
               </a:rPr>
-              <a:t>handling </a:t>
-            </a:r>
-            <a:r>
-              <a:rPr lang="en-US" altLang="ko-KR" dirty="0" err="1">
-                <a:solidFill>
-                  <a:schemeClr val="accent6"/>
-                </a:solidFill>
-              </a:rPr>
-              <a:t>TLB</a:t>
-            </a:r>
-            <a:r>
-              <a:rPr lang="en-US" altLang="ko-KR" dirty="0">
-                <a:solidFill>
-                  <a:schemeClr val="accent6"/>
-                </a:solidFill>
-              </a:rPr>
-              <a:t> miss.</a:t>
+              <a:t>handling TLB miss</a:t>
             </a:r>
           </a:p>
           <a:p>
@@ -3399,7 +3359,7 @@
           <a:p>
             <a:r>
               <a:rPr lang="en-US" altLang="ko-KR" dirty="0"/>
-              <a:t>TLB entry</a:t>
+              <a:t>TLB Entry</a:t>
             </a:r>
             <a:endParaRPr lang="ko-KR" altLang="en-US" dirty="0"/>
           </a:p>
@@ -3422,36 +3382,41 @@
           <a:p>
             <a:r>
               <a:rPr lang="en-US" altLang="ko-KR" dirty="0"/>
-              <a:t>TLB is managed by </a:t>
+              <a:t>TLB is </a:t>
             </a:r>
             <a:r>
               <a:rPr lang="en-US" altLang="ko-KR" b="1" dirty="0"/>
-              <a:t>Full Associative </a:t>
-            </a:r>
-            <a:r>
-              <a:rPr lang="en-US" altLang="ko-KR" dirty="0"/>
-              <a:t>method.</a:t>
-            </a:r>
+              <a:t>fully associative</a:t>
+            </a:r>
+            <a:endParaRPr lang="en-US" altLang="ko-KR" dirty="0"/>
           </a:p>
           <a:p>
             <a:pPr lvl="1"/>
             <a:r>
               <a:rPr lang="en-US" altLang="ko-KR" dirty="0"/>
-              <a:t>A typical TLB might have 32,64, or 128 entries.</a:t>
+              <a:t>A typical TLB might have 32, 64, or 128 entries</a:t>
             </a:r>
           </a:p>
           <a:p>
             <a:pPr lvl="1"/>
             <a:r>
               <a:rPr lang="en-US" altLang="ko-KR" dirty="0"/>
-              <a:t>Hardware search the entire TLB in parallel to find the desired translation.</a:t>
+              <a:t>Hardware searches the entire TLB </a:t>
+            </a:r>
+            <a:r>
+              <a:rPr lang="en-US" altLang="ko-KR" b="1" dirty="0"/>
+              <a:t>in parallel </a:t>
+            </a:r>
+            <a:r>
+              <a:rPr lang="en-US" altLang="ko-KR" dirty="0"/>
+              <a:t>to find the desired translation</a:t>
             </a:r>
           </a:p>
           <a:p>
             <a:pPr lvl="1"/>
             <a:r>
               <a:rPr lang="en-US" altLang="ko-KR" dirty="0"/>
-              <a:t>other bits: valid bits , protection bits, address-space identifier, dirty bit</a:t>
+              <a:t>Other bits: valid bits , protection bits, address-space identifier, dirty bit</a:t>
             </a:r>
             <a:endParaRPr lang="ko-KR" altLang="en-US" dirty="0"/>
           </a:p>
@@ -3708,7 +3673,7 @@
                   <a:ea typeface="맑은 고딕" pitchFamily="50" charset="-127"/>
                   <a:cs typeface="Courier New" pitchFamily="49" charset="0"/>
                 </a:rPr>
-                <a:t>other bits</a:t>
+                <a:t>Other bits</a:t>
               </a:r>
               <a:endParaRPr lang="ko-KR" altLang="en-US" sz="1600" dirty="0">
                 <a:solidFill>
@@ -3753,7 +3718,7 @@
                 <a:latin typeface="맑은 고딕" pitchFamily="50" charset="-127"/>
                 <a:ea typeface="맑은 고딕" pitchFamily="50" charset="-127"/>
               </a:rPr>
-              <a:t>Typical TLB entry look like this</a:t>
+              <a:t>Typical TLB entry looks like this</a:t>
             </a:r>
           </a:p>
         </p:txBody>
@@ -3869,7 +3834,7 @@
                 <a:latin typeface="맑은 고딕" pitchFamily="50" charset="-127"/>
                 <a:ea typeface="맑은 고딕" pitchFamily="50" charset="-127"/>
               </a:rPr>
-              <a:t>Process A</a:t>
+              <a:t>Process 1</a:t>
             </a:r>
             <a:endParaRPr lang="ko-KR" altLang="en-US" sz="2000" dirty="0">
               <a:solidFill>
@@ -3927,7 +3892,7 @@
                 <a:latin typeface="맑은 고딕" pitchFamily="50" charset="-127"/>
                 <a:ea typeface="맑은 고딕" pitchFamily="50" charset="-127"/>
               </a:rPr>
-              <a:t>Process B</a:t>
+              <a:t>Process 2</a:t>
             </a:r>
             <a:endParaRPr lang="ko-KR" altLang="en-US" sz="2000" dirty="0">
               <a:solidFill>
@@ -6449,7 +6414,7 @@
                 <a:latin typeface="맑은 고딕" pitchFamily="50" charset="-127"/>
                 <a:ea typeface="맑은 고딕" pitchFamily="50" charset="-127"/>
               </a:rPr>
-              <a:t>Process A</a:t>
+              <a:t>Process 1</a:t>
             </a:r>
             <a:endParaRPr lang="ko-KR" altLang="en-US" sz="2000" dirty="0">
               <a:solidFill>
@@ -6507,7 +6472,7 @@
                 <a:latin typeface="맑은 고딕" pitchFamily="50" charset="-127"/>
                 <a:ea typeface="맑은 고딕" pitchFamily="50" charset="-127"/>
               </a:rPr>
-              <a:t>Process B</a:t>
+              <a:t>Process 2</a:t>
             </a:r>
             <a:endParaRPr lang="ko-KR" altLang="en-US" sz="2000" dirty="0">
               <a:solidFill>
@@ -9130,7 +9095,7 @@
                 <a:latin typeface="맑은 고딕" pitchFamily="50" charset="-127"/>
                 <a:ea typeface="맑은 고딕" pitchFamily="50" charset="-127"/>
               </a:rPr>
-              <a:t>Process A</a:t>
+              <a:t>Process 1</a:t>
             </a:r>
             <a:endParaRPr lang="ko-KR" altLang="en-US" sz="2000" dirty="0">
               <a:solidFill>
@@ -9188,7 +9153,7 @@
                 <a:latin typeface="맑은 고딕" pitchFamily="50" charset="-127"/>
                 <a:ea typeface="맑은 고딕" pitchFamily="50" charset="-127"/>
               </a:rPr>
-              <a:t>Process B</a:t>
+              <a:t>Process 2</a:t>
             </a:r>
             <a:endParaRPr lang="ko-KR" altLang="en-US" sz="2000" dirty="0">
               <a:solidFill>
@@ -11726,7 +11691,7 @@
           <a:p>
             <a:r>
               <a:rPr lang="en-US" altLang="ko-KR" dirty="0"/>
-              <a:t>Provide an address space identifier(ASID) field in the TLB.</a:t>
+              <a:t>Provide an address space identifier(ASID) field in the TLB</a:t>
             </a:r>
           </a:p>
           <a:p>
@@ -11788,7 +11753,7 @@
                 <a:latin typeface="맑은 고딕" pitchFamily="50" charset="-127"/>
                 <a:ea typeface="맑은 고딕" pitchFamily="50" charset="-127"/>
               </a:rPr>
-              <a:t>Process A</a:t>
+              <a:t>Process 1</a:t>
             </a:r>
             <a:endParaRPr lang="ko-KR" altLang="en-US" sz="2000" dirty="0">
               <a:solidFill>
@@ -11846,7 +11811,7 @@
                 <a:latin typeface="맑은 고딕" pitchFamily="50" charset="-127"/>
                 <a:ea typeface="맑은 고딕" pitchFamily="50" charset="-127"/>
               </a:rPr>
-              <a:t>Process B</a:t>
+              <a:t>Process 2</a:t>
             </a:r>
             <a:endParaRPr lang="ko-KR" altLang="en-US" sz="2000" dirty="0">
               <a:solidFill>
@@ -14568,25 +14533,22 @@
                   <a:schemeClr val="accent6"/>
                 </a:solidFill>
               </a:rPr>
-              <a:t>share a page</a:t>
-            </a:r>
-            <a:r>
-              <a:rPr lang="en-US" altLang="ko-KR" dirty="0"/>
-              <a:t>.</a:t>
-            </a:r>
+              <a:t>share a page frame</a:t>
+            </a:r>
+            <a:endParaRPr lang="en-US" altLang="ko-KR" dirty="0"/>
           </a:p>
           <a:p>
             <a:pPr lvl="1"/>
             <a:r>
               <a:rPr lang="en-US" altLang="ko-KR" dirty="0"/>
-              <a:t>Process 1 is sharing physical page 101 with Process2.</a:t>
+              <a:t>Process 1 is sharing physical page frame 101 with Process 2</a:t>
             </a:r>
           </a:p>
           <a:p>
             <a:pPr lvl="1"/>
             <a:r>
               <a:rPr lang="en-US" altLang="ko-KR" dirty="0"/>
-              <a:t>P1 maps this page into the 10</a:t>
+              <a:t>P1 maps this physical page frame into the 10</a:t>
             </a:r>
             <a:r>
               <a:rPr lang="en-US" altLang="ko-KR" baseline="30000" dirty="0"/>
@@ -14594,14 +14556,14 @@
             </a:r>
             <a:r>
               <a:rPr lang="en-US" altLang="ko-KR" dirty="0"/>
-              <a:t> page of its address space.</a:t>
+              <a:t> page of its virtual address space</a:t>
             </a:r>
           </a:p>
           <a:p>
             <a:pPr lvl="1"/>
             <a:r>
               <a:rPr lang="en-US" altLang="ko-KR" dirty="0"/>
-              <a:t>P2 maps this page to the 50</a:t>
+              <a:t>P2 maps this physical page frame into the 50</a:t>
             </a:r>
             <a:r>
               <a:rPr lang="en-US" altLang="ko-KR" baseline="30000" dirty="0"/>
@@ -14609,7 +14571,7 @@
             </a:r>
             <a:r>
               <a:rPr lang="en-US" altLang="ko-KR" dirty="0"/>
-              <a:t> page of its address space.</a:t>
+              <a:t> page of its virtual address space</a:t>
             </a:r>
           </a:p>
         </p:txBody>
@@ -16490,7 +16452,7 @@
                 <a:ea typeface="맑은 고딕" pitchFamily="50" charset="-127"/>
                 <a:cs typeface="Courier New" pitchFamily="49" charset="0"/>
               </a:rPr>
-              <a:t> as it reduces the number of physical pages in use.</a:t>
+              <a:t> as it reduces the number of physical page frames in use</a:t>
             </a:r>
             <a:endParaRPr lang="ko-KR" altLang="en-US" b="1" dirty="0">
               <a:solidFill>
@@ -16553,6 +16515,16 @@
           <a:p>
             <a:r>
               <a:rPr lang="en-US" altLang="ko-KR" dirty="0"/>
+              <a:t>Objective is to </a:t>
+            </a:r>
+            <a:r>
+              <a:rPr lang="en-US" altLang="ko-KR" b="1" dirty="0"/>
+              <a:t>minimize TLB miss rate </a:t>
+            </a:r>
+          </a:p>
+          <a:p>
+            <a:r>
+              <a:rPr lang="en-US" altLang="ko-KR" dirty="0"/>
               <a:t>LRU(Least Recently Used)</a:t>
             </a:r>
           </a:p>
@@ -16560,7 +16532,7 @@
             <a:pPr lvl="1"/>
             <a:r>
               <a:rPr lang="en-US" altLang="ko-KR" dirty="0"/>
-              <a:t>Evict an entry that has not recently been used.</a:t>
+              <a:t>Evict an entry that has not recently been used</a:t>
             </a:r>
           </a:p>
           <a:p>
@@ -16575,7 +16547,7 @@
             </a:r>
             <a:r>
               <a:rPr lang="en-US" altLang="ko-KR" dirty="0"/>
-              <a:t> in the memory-reference stream.</a:t>
+              <a:t> in the memory reference stream</a:t>
             </a:r>
           </a:p>
           <a:p>
@@ -16601,7 +16573,7 @@
           <a:p>
             <a:r>
               <a:rPr lang="en-US" altLang="ko-KR" dirty="0"/>
-              <a:t>TLB Replacement Policy</a:t>
+              <a:t>Issue: TLB Replacement Policy</a:t>
             </a:r>
             <a:endParaRPr lang="ko-KR" altLang="en-US" dirty="0"/>
           </a:p>
@@ -16894,8 +16866,8 @@
         </p:nvSpPr>
         <p:spPr>
           <a:xfrm>
-            <a:off x="1560120" y="4715113"/>
-            <a:ext cx="1479278" cy="307777"/>
+            <a:off x="911424" y="4715113"/>
+            <a:ext cx="2127974" cy="307777"/>
           </a:xfrm>
           <a:prstGeom prst="rect">
             <a:avLst/>
@@ -16918,7 +16890,7 @@
                 <a:latin typeface="맑은 고딕" panose="020B0503020000020004" pitchFamily="50" charset="-127"/>
                 <a:ea typeface="맑은 고딕" panose="020B0503020000020004" pitchFamily="50" charset="-127"/>
               </a:rPr>
-              <a:t>Page Frame:</a:t>
+              <a:t>Physical Page Frame:</a:t>
             </a:r>
           </a:p>
         </p:txBody>
@@ -28566,7 +28538,7 @@
           <a:p>
             <a:r>
               <a:rPr lang="en-US" altLang="ko-KR" dirty="0"/>
-              <a:t>Part of the chip’s memory-management unit(MMU).</a:t>
+              <a:t>Part of the chip’s memory-management unit(MMU)</a:t>
             </a:r>
           </a:p>
           <a:p>
@@ -28580,7 +28552,7 @@
             </a:r>
             <a:r>
               <a:rPr lang="en-US" altLang="ko-KR" dirty="0"/>
-              <a:t> virtual-to-physical address translation.</a:t>
+              <a:t> virtual-to-physical address translation</a:t>
             </a:r>
           </a:p>
           <a:p>
@@ -30046,15 +30018,7 @@
             <a:pPr lvl="1"/>
             <a:r>
               <a:rPr lang="en-US" altLang="ko-KR" dirty="0"/>
-              <a:t>(1 lines) extract the virtual page number(</a:t>
-            </a:r>
-            <a:r>
-              <a:rPr lang="en-US" altLang="ko-KR" dirty="0" err="1"/>
-              <a:t>VPN</a:t>
-            </a:r>
-            <a:r>
-              <a:rPr lang="en-US" altLang="ko-KR" dirty="0"/>
-              <a:t>).</a:t>
+              <a:t>(1 lines) extract the virtual page number(VPN)</a:t>
             </a:r>
           </a:p>
           <a:p>
@@ -30069,22 +30033,14 @@
             </a:r>
             <a:r>
               <a:rPr lang="en-US" altLang="ko-KR" dirty="0"/>
-              <a:t> for this </a:t>
-            </a:r>
-            <a:r>
-              <a:rPr lang="en-US" altLang="ko-KR" dirty="0" err="1"/>
-              <a:t>VPN</a:t>
-            </a:r>
-            <a:r>
-              <a:rPr lang="en-US" altLang="ko-KR" dirty="0"/>
-              <a:t>.</a:t>
+              <a:t> for this VPN</a:t>
             </a:r>
           </a:p>
           <a:p>
             <a:pPr lvl="1"/>
             <a:r>
               <a:rPr lang="en-US" altLang="ko-KR" dirty="0"/>
-              <a:t>(5-8 lines) extract the page frame number from the relevant TLB entry, and form the desired physical address and access memory.</a:t>
+              <a:t>(5-8 lines) extract the page frame number from the relevant TLB entry, and forms the desired physical address and access memory</a:t>
             </a:r>
           </a:p>
         </p:txBody>
@@ -30378,29 +30334,7 @@
                 <a:ea typeface="맑은 고딕" pitchFamily="50" charset="-127"/>
                 <a:cs typeface="Courier New" pitchFamily="49" charset="0"/>
               </a:rPr>
-              <a:t>(Success == </a:t>
-            </a:r>
-            <a:r>
-              <a:rPr lang="en-US" altLang="ko-KR" sz="1400" dirty="0" err="1">
-                <a:solidFill>
-                  <a:prstClr val="black"/>
-                </a:solidFill>
-                <a:latin typeface="Courier New" pitchFamily="49" charset="0"/>
-                <a:ea typeface="맑은 고딕" pitchFamily="50" charset="-127"/>
-                <a:cs typeface="Courier New" pitchFamily="49" charset="0"/>
-              </a:rPr>
-              <a:t>Ture</a:t>
-            </a:r>
-            <a:r>
-              <a:rPr lang="en-US" altLang="ko-KR" sz="1400" dirty="0">
-                <a:solidFill>
-                  <a:prstClr val="black"/>
-                </a:solidFill>
-                <a:latin typeface="Courier New" pitchFamily="49" charset="0"/>
-                <a:ea typeface="맑은 고딕" pitchFamily="50" charset="-127"/>
-                <a:cs typeface="Courier New" pitchFamily="49" charset="0"/>
-              </a:rPr>
-              <a:t>){ </a:t>
+              <a:t>(Success == True){ </a:t>
             </a:r>
             <a:r>
               <a:rPr lang="en-US" altLang="ko-KR" sz="1400" dirty="0">
@@ -30820,14 +30754,14 @@
             <a:pPr lvl="1"/>
             <a:r>
               <a:rPr lang="en-US" altLang="ko-KR" dirty="0"/>
-              <a:t>(11-12 lines)  The hardware accesses the page table to find the translation.</a:t>
+              <a:t>(11-12 lines)  The hardware accesses the page table to find the translation</a:t>
             </a:r>
           </a:p>
           <a:p>
             <a:pPr lvl="1"/>
             <a:r>
               <a:rPr lang="en-US" altLang="ko-KR" dirty="0"/>
-              <a:t>(16 lines) updates the TLB with the translation.</a:t>
+              <a:t>(16 lines) updates the TLB with the translation</a:t>
             </a:r>
           </a:p>
         </p:txBody>
@@ -31179,31 +31113,7 @@
                 <a:ea typeface="맑은 고딕" pitchFamily="50" charset="-127"/>
                 <a:cs typeface="Courier New" pitchFamily="49" charset="0"/>
               </a:rPr>
-              <a:t>15:    }</a:t>
-            </a:r>
-            <a:r>
-              <a:rPr lang="en-US" altLang="ko-KR" sz="1400" dirty="0">
-                <a:solidFill>
-                  <a:srgbClr val="F79646">
-                    <a:lumMod val="75000"/>
-                  </a:srgbClr>
-                </a:solidFill>
-                <a:latin typeface="Courier New" pitchFamily="49" charset="0"/>
-                <a:ea typeface="맑은 고딕" pitchFamily="50" charset="-127"/>
-                <a:cs typeface="Courier New" pitchFamily="49" charset="0"/>
-              </a:rPr>
-              <a:t>else</a:t>
-            </a:r>
-            <a:r>
-              <a:rPr lang="en-US" altLang="ko-KR" sz="1400" dirty="0">
-                <a:solidFill>
-                  <a:prstClr val="black"/>
-                </a:solidFill>
-                <a:latin typeface="Courier New" pitchFamily="49" charset="0"/>
-                <a:ea typeface="맑은 고딕" pitchFamily="50" charset="-127"/>
-                <a:cs typeface="Courier New" pitchFamily="49" charset="0"/>
-              </a:rPr>
-              <a:t>{</a:t>
+              <a:t>15:</a:t>
             </a:r>
           </a:p>
           <a:p>
@@ -31601,13 +31511,15 @@
                 <a:solidFill>
                   <a:prstClr val="black"/>
                 </a:solidFill>
+                <a:latin typeface="Oswald" pitchFamily="2" charset="0"/>
               </a:rPr>
-              <a:t>How a TLB can improve its performance.</a:t>
+              <a:t>How a TLB can improve its performance</a:t>
             </a:r>
             <a:endParaRPr lang="ko-KR" altLang="en-US" dirty="0">
               <a:solidFill>
                 <a:prstClr val="black"/>
               </a:solidFill>
+              <a:latin typeface="Oswald" pitchFamily="2" charset="0"/>
             </a:endParaRPr>
           </a:p>
         </p:txBody>
@@ -34819,7 +34731,7 @@
         </p:nvSpPr>
         <p:spPr>
           <a:xfrm>
-            <a:off x="6348028" y="4210348"/>
+            <a:off x="6348028" y="5543626"/>
             <a:ext cx="2664296" cy="621678"/>
           </a:xfrm>
           <a:prstGeom prst="roundRect">
@@ -34861,22 +34773,11 @@
                 <a:ea typeface="맑은 고딕" pitchFamily="50" charset="-127"/>
                 <a:cs typeface="Courier New" pitchFamily="49" charset="0"/>
               </a:rPr>
-              <a:t>3 misses and 7 hits. </a:t>
+              <a:t>3 misses and 7 hits </a:t>
             </a:r>
           </a:p>
           <a:p>
             <a:pPr algn="ctr"/>
-            <a:r>
-              <a:rPr lang="en-US" altLang="ko-KR" sz="1600" dirty="0">
-                <a:solidFill>
-                  <a:prstClr val="black"/>
-                </a:solidFill>
-                <a:latin typeface="맑은 고딕" pitchFamily="50" charset="-127"/>
-                <a:ea typeface="맑은 고딕" pitchFamily="50" charset="-127"/>
-                <a:cs typeface="Courier New" pitchFamily="49" charset="0"/>
-              </a:rPr>
-              <a:t>Thus </a:t>
-            </a:r>
             <a:r>
               <a:rPr lang="en-US" altLang="ko-KR" sz="1600" dirty="0">
                 <a:solidFill>
@@ -34897,7 +34798,7 @@
                 <a:ea typeface="맑은 고딕" pitchFamily="50" charset="-127"/>
                 <a:cs typeface="Courier New" pitchFamily="49" charset="0"/>
               </a:rPr>
-              <a:t>is 70%.</a:t>
+              <a:t>is 70%!</a:t>
             </a:r>
           </a:p>
         </p:txBody>
@@ -34911,7 +34812,7 @@
         <p:spPr>
           <a:xfrm>
             <a:off x="5879976" y="3562276"/>
-            <a:ext cx="3600400" cy="621678"/>
+            <a:ext cx="3600400" cy="1882948"/>
           </a:xfrm>
           <a:prstGeom prst="roundRect">
             <a:avLst/>
@@ -34985,6 +34886,194 @@
               </a:rPr>
               <a:t>spatial locality</a:t>
             </a:r>
+          </a:p>
+          <a:p>
+            <a:pPr algn="ctr"/>
+            <a:endParaRPr lang="en-US" altLang="ko-KR" sz="1600" b="1" dirty="0">
+              <a:solidFill>
+                <a:srgbClr val="FF0000"/>
+              </a:solidFill>
+              <a:latin typeface="맑은 고딕" pitchFamily="50" charset="-127"/>
+              <a:ea typeface="맑은 고딕" pitchFamily="50" charset="-127"/>
+              <a:cs typeface="Courier New" pitchFamily="49" charset="0"/>
+            </a:endParaRPr>
+          </a:p>
+          <a:p>
+            <a:pPr algn="ctr"/>
+            <a:r>
+              <a:rPr lang="en-US" altLang="ko-KR" sz="1600" b="1" dirty="0" err="1">
+                <a:solidFill>
+                  <a:schemeClr val="tx1"/>
+                </a:solidFill>
+                <a:latin typeface="맑은 고딕" pitchFamily="50" charset="-127"/>
+                <a:ea typeface="맑은 고딕" pitchFamily="50" charset="-127"/>
+                <a:cs typeface="Courier New" pitchFamily="49" charset="0"/>
+              </a:rPr>
+              <a:t>miss</a:t>
+            </a:r>
+            <a:r>
+              <a:rPr lang="en-US" altLang="ko-KR" sz="1600" dirty="0" err="1">
+                <a:solidFill>
+                  <a:schemeClr val="tx1"/>
+                </a:solidFill>
+                <a:latin typeface="맑은 고딕" pitchFamily="50" charset="-127"/>
+                <a:ea typeface="맑은 고딕" pitchFamily="50" charset="-127"/>
+                <a:cs typeface="Courier New" pitchFamily="49" charset="0"/>
+              </a:rPr>
+              <a:t>,hit,hit</a:t>
+            </a:r>
+            <a:r>
+              <a:rPr lang="en-US" altLang="ko-KR" sz="1600" dirty="0">
+                <a:solidFill>
+                  <a:schemeClr val="tx1"/>
+                </a:solidFill>
+                <a:latin typeface="맑은 고딕" pitchFamily="50" charset="-127"/>
+                <a:ea typeface="맑은 고딕" pitchFamily="50" charset="-127"/>
+                <a:cs typeface="Courier New" pitchFamily="49" charset="0"/>
+              </a:rPr>
+              <a:t>, </a:t>
+            </a:r>
+          </a:p>
+          <a:p>
+            <a:pPr algn="ctr"/>
+            <a:r>
+              <a:rPr lang="en-US" altLang="ko-KR" sz="1600" b="1" dirty="0" err="1">
+                <a:solidFill>
+                  <a:schemeClr val="tx1"/>
+                </a:solidFill>
+                <a:latin typeface="맑은 고딕" pitchFamily="50" charset="-127"/>
+                <a:ea typeface="맑은 고딕" pitchFamily="50" charset="-127"/>
+                <a:cs typeface="Courier New" pitchFamily="49" charset="0"/>
+              </a:rPr>
+              <a:t>miss</a:t>
+            </a:r>
+            <a:r>
+              <a:rPr lang="en-US" altLang="ko-KR" sz="1600" dirty="0" err="1">
+                <a:solidFill>
+                  <a:schemeClr val="tx1"/>
+                </a:solidFill>
+                <a:latin typeface="맑은 고딕" pitchFamily="50" charset="-127"/>
+                <a:ea typeface="맑은 고딕" pitchFamily="50" charset="-127"/>
+                <a:cs typeface="Courier New" pitchFamily="49" charset="0"/>
+              </a:rPr>
+              <a:t>,hit,hit,hit</a:t>
+            </a:r>
+            <a:endParaRPr lang="en-US" altLang="ko-KR" sz="1600" dirty="0">
+              <a:solidFill>
+                <a:schemeClr val="tx1"/>
+              </a:solidFill>
+              <a:latin typeface="맑은 고딕" pitchFamily="50" charset="-127"/>
+              <a:ea typeface="맑은 고딕" pitchFamily="50" charset="-127"/>
+              <a:cs typeface="Courier New" pitchFamily="49" charset="0"/>
+            </a:endParaRPr>
+          </a:p>
+          <a:p>
+            <a:pPr algn="ctr"/>
+            <a:r>
+              <a:rPr lang="en-US" altLang="ko-KR" sz="1600" b="1" dirty="0" err="1">
+                <a:solidFill>
+                  <a:schemeClr val="tx1"/>
+                </a:solidFill>
+                <a:latin typeface="맑은 고딕" pitchFamily="50" charset="-127"/>
+                <a:ea typeface="맑은 고딕" pitchFamily="50" charset="-127"/>
+                <a:cs typeface="Courier New" pitchFamily="49" charset="0"/>
+              </a:rPr>
+              <a:t>miss</a:t>
+            </a:r>
+            <a:r>
+              <a:rPr lang="en-US" altLang="ko-KR" sz="1600" dirty="0" err="1">
+                <a:solidFill>
+                  <a:schemeClr val="tx1"/>
+                </a:solidFill>
+                <a:latin typeface="맑은 고딕" pitchFamily="50" charset="-127"/>
+                <a:ea typeface="맑은 고딕" pitchFamily="50" charset="-127"/>
+                <a:cs typeface="Courier New" pitchFamily="49" charset="0"/>
+              </a:rPr>
+              <a:t>,hit,hit</a:t>
+            </a:r>
+            <a:endParaRPr lang="en-US" altLang="ko-KR" sz="1600" dirty="0">
+              <a:solidFill>
+                <a:schemeClr val="tx1"/>
+              </a:solidFill>
+              <a:latin typeface="맑은 고딕" pitchFamily="50" charset="-127"/>
+              <a:ea typeface="맑은 고딕" pitchFamily="50" charset="-127"/>
+              <a:cs typeface="Courier New" pitchFamily="49" charset="0"/>
+            </a:endParaRPr>
+          </a:p>
+        </p:txBody>
+      </p:sp>
+      <p:sp>
+        <p:nvSpPr>
+          <p:cNvPr id="11" name="모서리가 둥근 직사각형 13">
+            <a:extLst>
+              <a:ext uri="{FF2B5EF4-FFF2-40B4-BE49-F238E27FC236}">
+                <a16:creationId xmlns:a16="http://schemas.microsoft.com/office/drawing/2014/main" id="{A45E3B43-6700-4085-9529-19FA395F5533}"/>
+              </a:ext>
+            </a:extLst>
+          </p:cNvPr>
+          <p:cNvSpPr/>
+          <p:nvPr/>
+        </p:nvSpPr>
+        <p:spPr>
+          <a:xfrm>
+            <a:off x="7320136" y="785626"/>
+            <a:ext cx="4320480" cy="1126221"/>
+          </a:xfrm>
+          <a:prstGeom prst="roundRect">
+            <a:avLst/>
+          </a:prstGeom>
+          <a:solidFill>
+            <a:srgbClr val="FFC000"/>
+          </a:solidFill>
+          <a:ln w="15875">
+            <a:solidFill>
+              <a:schemeClr val="accent6">
+                <a:lumMod val="50000"/>
+              </a:schemeClr>
+            </a:solidFill>
+          </a:ln>
+          <a:effectLst/>
+        </p:spPr>
+        <p:style>
+          <a:lnRef idx="3">
+            <a:schemeClr val="lt1"/>
+          </a:lnRef>
+          <a:fillRef idx="1">
+            <a:schemeClr val="accent1"/>
+          </a:fillRef>
+          <a:effectRef idx="1">
+            <a:schemeClr val="accent1"/>
+          </a:effectRef>
+          <a:fontRef idx="minor">
+            <a:schemeClr val="lt1"/>
+          </a:fontRef>
+        </p:style>
+        <p:txBody>
+          <a:bodyPr wrap="square" lIns="108000" rIns="108000" rtlCol="0" anchor="ctr">
+            <a:noAutofit/>
+          </a:bodyPr>
+          <a:lstStyle/>
+          <a:p>
+            <a:pPr algn="ctr"/>
+            <a:r>
+              <a:rPr lang="en-US" altLang="ko-KR" sz="1600" dirty="0">
+                <a:solidFill>
+                  <a:prstClr val="black"/>
+                </a:solidFill>
+                <a:latin typeface="맑은 고딕" pitchFamily="50" charset="-127"/>
+                <a:ea typeface="맑은 고딕" pitchFamily="50" charset="-127"/>
+                <a:cs typeface="Courier New" pitchFamily="49" charset="0"/>
+              </a:rPr>
+              <a:t>Assumptions: 8-bit virtual address space, 16-byte pages, thus 4-bit VPN and 4-bit offset, array a is loaded starting at virtual address 100 (01100100b)</a:t>
+            </a:r>
+            <a:endParaRPr lang="en-US" altLang="ko-KR" sz="1600" dirty="0">
+              <a:solidFill>
+                <a:srgbClr val="FF0000"/>
+              </a:solidFill>
+              <a:latin typeface="맑은 고딕" pitchFamily="50" charset="-127"/>
+              <a:ea typeface="맑은 고딕" pitchFamily="50" charset="-127"/>
+              <a:cs typeface="Courier New" pitchFamily="49" charset="0"/>
+            </a:endParaRPr>
           </a:p>
         </p:txBody>
       </p:sp>
@@ -35068,8 +35157,11 @@
             <a:pPr lvl="1"/>
             <a:r>
               <a:rPr lang="en-US" altLang="ko-KR" dirty="0"/>
-              <a:t>An instruction or data item that has been recently accessed will likely be re-accessed soon in the future.</a:t>
-            </a:r>
+              <a:t>An instruction or data item that has been recently accessed will likely be re-accessed soon in the future</a:t>
+            </a:r>
+          </a:p>
+          <a:p>
+            <a:endParaRPr lang="en-US" altLang="ko-KR" dirty="0"/>
           </a:p>
           <a:p>
             <a:endParaRPr lang="en-US" altLang="ko-KR" dirty="0"/>
@@ -35217,7 +35309,7 @@
                 <a:latin typeface="맑은 고딕" pitchFamily="50" charset="-127"/>
                 <a:ea typeface="맑은 고딕" pitchFamily="50" charset="-127"/>
               </a:rPr>
-              <a:t> access is page1.</a:t>
+              <a:t> access is page1</a:t>
             </a:r>
           </a:p>
           <a:p>
@@ -35249,7 +35341,7 @@
                 <a:latin typeface="맑은 고딕" pitchFamily="50" charset="-127"/>
                 <a:ea typeface="맑은 고딕" pitchFamily="50" charset="-127"/>
               </a:rPr>
-              <a:t> access is also page1.</a:t>
+              <a:t> access is also page1</a:t>
             </a:r>
             <a:endParaRPr lang="ko-KR" altLang="en-US" sz="1400" dirty="0">
               <a:solidFill>
@@ -35312,9 +35404,9 @@
         <p:grpSpPr>
           <a:xfrm>
             <a:off x="6850813" y="4488060"/>
-            <a:ext cx="3112132" cy="1605237"/>
+            <a:ext cx="3009540" cy="1605237"/>
             <a:chOff x="1619672" y="2074344"/>
-            <a:chExt cx="5097229" cy="2388716"/>
+            <a:chExt cx="4929198" cy="2388716"/>
           </a:xfrm>
         </p:grpSpPr>
         <p:sp>
@@ -35823,7 +35915,7 @@
           <p:spPr>
             <a:xfrm>
               <a:off x="2669445" y="2074344"/>
-              <a:ext cx="4047456" cy="778592"/>
+              <a:ext cx="3879425" cy="778592"/>
             </a:xfrm>
             <a:prstGeom prst="rect">
               <a:avLst/>
@@ -35864,7 +35956,7 @@
                   <a:latin typeface="맑은 고딕" pitchFamily="50" charset="-127"/>
                   <a:ea typeface="맑은 고딕" pitchFamily="50" charset="-127"/>
                 </a:rPr>
-                <a:t> access is page1.</a:t>
+                <a:t> access is page1</a:t>
               </a:r>
             </a:p>
             <a:p>
@@ -35896,7 +35988,7 @@
                   <a:latin typeface="맑은 고딕" pitchFamily="50" charset="-127"/>
                   <a:ea typeface="맑은 고딕" pitchFamily="50" charset="-127"/>
                 </a:rPr>
-                <a:t> access is near by </a:t>
+                <a:t> access is nearby </a:t>
               </a:r>
               <a:r>
                 <a:rPr lang="en-US" altLang="ko-KR" sz="1400" dirty="0">
@@ -35908,16 +36000,6 @@
                   <a:cs typeface="Courier New" pitchFamily="49" charset="0"/>
                 </a:rPr>
                 <a:t>page1</a:t>
-              </a:r>
-              <a:r>
-                <a:rPr lang="en-US" altLang="ko-KR" sz="1400" dirty="0">
-                  <a:solidFill>
-                    <a:prstClr val="black"/>
-                  </a:solidFill>
-                  <a:latin typeface="맑은 고딕" pitchFamily="50" charset="-127"/>
-                  <a:ea typeface="맑은 고딕" pitchFamily="50" charset="-127"/>
-                </a:rPr>
-                <a:t>.</a:t>
               </a:r>
               <a:endParaRPr lang="ko-KR" altLang="en-US" sz="1400" dirty="0">
                 <a:solidFill>
